--- a/documents/讲解材料.pptx
+++ b/documents/讲解材料.pptx
@@ -109,6 +109,11 @@
       </a:defRPr>
     </a:lvl9pPr>
   </p:defaultTextStyle>
+  <p:extLst>
+    <p:ext uri="{EFAFB233-063F-42B5-8137-9DF3F51BA10A}">
+      <p15:sldGuideLst xmlns:p15="http://schemas.microsoft.com/office/powerpoint/2012/main"/>
+    </p:ext>
+  </p:extLst>
 </p:presentation>
 </file>
 
@@ -259,7 +264,7 @@
           <a:p>
             <a:fld id="{444376C7-FC82-4713-AAAF-EB8CE26633ED}" type="datetimeFigureOut">
               <a:rPr lang="zh-CN" altLang="en-US" smtClean="0"/>
-              <a:t>2021/3/27</a:t>
+              <a:t>2021/4/3</a:t>
             </a:fld>
             <a:endParaRPr lang="zh-CN" altLang="en-US"/>
           </a:p>
@@ -457,7 +462,7 @@
           <a:p>
             <a:fld id="{444376C7-FC82-4713-AAAF-EB8CE26633ED}" type="datetimeFigureOut">
               <a:rPr lang="zh-CN" altLang="en-US" smtClean="0"/>
-              <a:t>2021/3/27</a:t>
+              <a:t>2021/4/3</a:t>
             </a:fld>
             <a:endParaRPr lang="zh-CN" altLang="en-US"/>
           </a:p>
@@ -665,7 +670,7 @@
           <a:p>
             <a:fld id="{444376C7-FC82-4713-AAAF-EB8CE26633ED}" type="datetimeFigureOut">
               <a:rPr lang="zh-CN" altLang="en-US" smtClean="0"/>
-              <a:t>2021/3/27</a:t>
+              <a:t>2021/4/3</a:t>
             </a:fld>
             <a:endParaRPr lang="zh-CN" altLang="en-US"/>
           </a:p>
@@ -863,7 +868,7 @@
           <a:p>
             <a:fld id="{444376C7-FC82-4713-AAAF-EB8CE26633ED}" type="datetimeFigureOut">
               <a:rPr lang="zh-CN" altLang="en-US" smtClean="0"/>
-              <a:t>2021/3/27</a:t>
+              <a:t>2021/4/3</a:t>
             </a:fld>
             <a:endParaRPr lang="zh-CN" altLang="en-US"/>
           </a:p>
@@ -1138,7 +1143,7 @@
           <a:p>
             <a:fld id="{444376C7-FC82-4713-AAAF-EB8CE26633ED}" type="datetimeFigureOut">
               <a:rPr lang="zh-CN" altLang="en-US" smtClean="0"/>
-              <a:t>2021/3/27</a:t>
+              <a:t>2021/4/3</a:t>
             </a:fld>
             <a:endParaRPr lang="zh-CN" altLang="en-US"/>
           </a:p>
@@ -1403,7 +1408,7 @@
           <a:p>
             <a:fld id="{444376C7-FC82-4713-AAAF-EB8CE26633ED}" type="datetimeFigureOut">
               <a:rPr lang="zh-CN" altLang="en-US" smtClean="0"/>
-              <a:t>2021/3/27</a:t>
+              <a:t>2021/4/3</a:t>
             </a:fld>
             <a:endParaRPr lang="zh-CN" altLang="en-US"/>
           </a:p>
@@ -1815,7 +1820,7 @@
           <a:p>
             <a:fld id="{444376C7-FC82-4713-AAAF-EB8CE26633ED}" type="datetimeFigureOut">
               <a:rPr lang="zh-CN" altLang="en-US" smtClean="0"/>
-              <a:t>2021/3/27</a:t>
+              <a:t>2021/4/3</a:t>
             </a:fld>
             <a:endParaRPr lang="zh-CN" altLang="en-US"/>
           </a:p>
@@ -1956,7 +1961,7 @@
           <a:p>
             <a:fld id="{444376C7-FC82-4713-AAAF-EB8CE26633ED}" type="datetimeFigureOut">
               <a:rPr lang="zh-CN" altLang="en-US" smtClean="0"/>
-              <a:t>2021/3/27</a:t>
+              <a:t>2021/4/3</a:t>
             </a:fld>
             <a:endParaRPr lang="zh-CN" altLang="en-US"/>
           </a:p>
@@ -2069,7 +2074,7 @@
           <a:p>
             <a:fld id="{444376C7-FC82-4713-AAAF-EB8CE26633ED}" type="datetimeFigureOut">
               <a:rPr lang="zh-CN" altLang="en-US" smtClean="0"/>
-              <a:t>2021/3/27</a:t>
+              <a:t>2021/4/3</a:t>
             </a:fld>
             <a:endParaRPr lang="zh-CN" altLang="en-US"/>
           </a:p>
@@ -2380,7 +2385,7 @@
           <a:p>
             <a:fld id="{444376C7-FC82-4713-AAAF-EB8CE26633ED}" type="datetimeFigureOut">
               <a:rPr lang="zh-CN" altLang="en-US" smtClean="0"/>
-              <a:t>2021/3/27</a:t>
+              <a:t>2021/4/3</a:t>
             </a:fld>
             <a:endParaRPr lang="zh-CN" altLang="en-US"/>
           </a:p>
@@ -2668,7 +2673,7 @@
           <a:p>
             <a:fld id="{444376C7-FC82-4713-AAAF-EB8CE26633ED}" type="datetimeFigureOut">
               <a:rPr lang="zh-CN" altLang="en-US" smtClean="0"/>
-              <a:t>2021/3/27</a:t>
+              <a:t>2021/4/3</a:t>
             </a:fld>
             <a:endParaRPr lang="zh-CN" altLang="en-US"/>
           </a:p>
@@ -2909,7 +2914,7 @@
           <a:p>
             <a:fld id="{444376C7-FC82-4713-AAAF-EB8CE26633ED}" type="datetimeFigureOut">
               <a:rPr lang="zh-CN" altLang="en-US" smtClean="0"/>
-              <a:t>2021/3/27</a:t>
+              <a:t>2021/4/3</a:t>
             </a:fld>
             <a:endParaRPr lang="zh-CN" altLang="en-US"/>
           </a:p>
@@ -3427,8 +3432,19 @@
                 <a:latin typeface="微软雅黑" panose="020B0503020204020204" pitchFamily="34" charset="-122"/>
                 <a:ea typeface="微软雅黑" panose="020B0503020204020204" pitchFamily="34" charset="-122"/>
               </a:rPr>
-              <a:t>接口使用：CSX（芯片使能），D / CX（数据/命令标志），SCL（串行时钟）和SDA（串行数据输入/输出）。 串行时钟（SCL）</a:t>
-            </a:r>
+              <a:t>接口使用：CSX（芯片使能），D / CX（数据/命令标志），SCL（串行时钟）和SDA（串行数据输入/输出</a:t>
+            </a:r>
+            <a:r>
+              <a:rPr lang="zh-CN" altLang="en-US">
+                <a:latin typeface="微软雅黑" panose="020B0503020204020204" pitchFamily="34" charset="-122"/>
+                <a:ea typeface="微软雅黑" panose="020B0503020204020204" pitchFamily="34" charset="-122"/>
+              </a:rPr>
+              <a:t>）。</a:t>
+            </a:r>
+            <a:endParaRPr lang="zh-CN" altLang="en-US" dirty="0">
+              <a:latin typeface="微软雅黑" panose="020B0503020204020204" pitchFamily="34" charset="-122"/>
+              <a:ea typeface="微软雅黑" panose="020B0503020204020204" pitchFamily="34" charset="-122"/>
+            </a:endParaRPr>
           </a:p>
         </p:txBody>
       </p:sp>

--- a/documents/讲解材料.pptx
+++ b/documents/讲解材料.pptx
@@ -7769,6 +7769,43 @@
               </a:rPr>
               <a:t>物理屏幕输出内容</a:t>
             </a:r>
+            <a:r>
+              <a:rPr lang="en-US" altLang="zh-CN" sz="1400" dirty="0">
+                <a:solidFill>
+                  <a:srgbClr val="FF0000"/>
+                </a:solidFill>
+                <a:latin typeface="微软雅黑" panose="020B0503020204020204" pitchFamily="34" charset="-122"/>
+                <a:ea typeface="微软雅黑" panose="020B0503020204020204" pitchFamily="34" charset="-122"/>
+              </a:rPr>
+              <a:t>(</a:t>
+            </a:r>
+            <a:r>
+              <a:rPr lang="zh-CN" altLang="en-US" sz="1400">
+                <a:solidFill>
+                  <a:srgbClr val="FF0000"/>
+                </a:solidFill>
+                <a:latin typeface="微软雅黑" panose="020B0503020204020204" pitchFamily="34" charset="-122"/>
+                <a:ea typeface="微软雅黑" panose="020B0503020204020204" pitchFamily="34" charset="-122"/>
+              </a:rPr>
+              <a:t>字体不对</a:t>
+            </a:r>
+            <a:r>
+              <a:rPr lang="en-US" altLang="zh-CN" sz="1400">
+                <a:solidFill>
+                  <a:srgbClr val="FF0000"/>
+                </a:solidFill>
+                <a:latin typeface="微软雅黑" panose="020B0503020204020204" pitchFamily="34" charset="-122"/>
+                <a:ea typeface="微软雅黑" panose="020B0503020204020204" pitchFamily="34" charset="-122"/>
+              </a:rPr>
+              <a:t>)</a:t>
+            </a:r>
+            <a:endParaRPr lang="zh-CN" altLang="en-US" sz="1400" dirty="0">
+              <a:solidFill>
+                <a:srgbClr val="FF0000"/>
+              </a:solidFill>
+              <a:latin typeface="微软雅黑" panose="020B0503020204020204" pitchFamily="34" charset="-122"/>
+              <a:ea typeface="微软雅黑" panose="020B0503020204020204" pitchFamily="34" charset="-122"/>
+            </a:endParaRPr>
           </a:p>
         </p:txBody>
       </p:sp>
